--- a/Xiao Li INFO 523 Final Project.pptx
+++ b/Xiao Li INFO 523 Final Project.pptx
@@ -164,14 +164,6 @@
   <p188:author id="{C8867F68-1B36-D259-48AC-464EF11EF89F}" name="Sheila Storm" initials="SS" userId="S::SStorm@pagregion.com::0d1324a0-4bdb-4b20-b2ce-246d2551614d" providerId="AD"/>
   <p188:author id="{30AB597F-C8F8-763D-4797-DC050BFF01AA}" name="Kristin Griffin" initials="KG" userId="e67e29329b7bfb5b" providerId="Windows Live"/>
 </p188:authorLst>
-</file>
-
-<file path=ppt/revisionInfo.xml><?xml version="1.0" encoding="utf-8"?>
-<p1510:revInfo xmlns:a="http://schemas.openxmlformats.org/drawingml/2006/main" xmlns:r="http://schemas.openxmlformats.org/officeDocument/2006/relationships" xmlns:p1510="http://schemas.microsoft.com/office/powerpoint/2015/10/main">
-  <p1510:revLst>
-    <p1510:client id="{879EE3FE-6894-489D-A0EF-CD0FD60286B2}" v="62" dt="2025-12-10T22:19:53.275"/>
-  </p1510:revLst>
-</p1510:revInfo>
 </file>
 
 <file path=ppt/notesMasters/notesMaster1.xml><?xml version="1.0" encoding="utf-8"?>
@@ -5894,9 +5886,14 @@
           <a:lstStyle/>
           <a:p>
             <a:r>
-              <a:rPr lang="en-US" dirty="0"/>
-              <a:t>Xiao Li</a:t>
+              <a:rPr lang="en-US" altLang="zh-CN" dirty="0"/>
+              <a:t>Group 7: Xiao Li, Wenkang </a:t>
             </a:r>
+            <a:r>
+              <a:rPr lang="en-US" altLang="zh-CN" dirty="0" err="1"/>
+              <a:t>Lv</a:t>
+            </a:r>
+            <a:endParaRPr lang="en-US" dirty="0"/>
           </a:p>
         </p:txBody>
       </p:sp>
@@ -15669,13 +15666,8 @@
             <a:pPr lvl="1"/>
             <a:r>
               <a:rPr lang="en-US" dirty="0"/>
-              <a:t>Company Information: Name, NAICS Code, Location, </a:t>
+              <a:t>Company Information: Name, NAICS Code, Location, Work Activity.</a:t>
             </a:r>
-            <a:r>
-              <a:rPr lang="en-US"/>
-              <a:t>Work Activity.</a:t>
-            </a:r>
-            <a:endParaRPr lang="en-US" dirty="0"/>
           </a:p>
           <a:p>
             <a:pPr lvl="1"/>

--- a/Xiao Li INFO 523 Final Project.pptx
+++ b/Xiao Li INFO 523 Final Project.pptx
@@ -10668,7 +10668,7 @@
             <a:pPr lvl="1"/>
             <a:r>
               <a:rPr lang="en-US" dirty="0"/>
-              <a:t>Models had a hard time to forecast positives. (Low recalls)</a:t>
+              <a:t>Models had a hard time to catch true positives. (Low recalls)</a:t>
             </a:r>
           </a:p>
           <a:p>
@@ -10720,7 +10720,7 @@
             <a:pPr lvl="1"/>
             <a:r>
               <a:rPr lang="en-US" dirty="0"/>
-              <a:t>Random Forest has highest recall and precision. (Best to catch positives)</a:t>
+              <a:t>Random Forest has highest recall and precision. (Best to catch true positives)</a:t>
             </a:r>
           </a:p>
           <a:p>
@@ -13533,7 +13533,7 @@
             <p:ph sz="quarter" idx="13"/>
             <p:extLst>
               <p:ext uri="{D42A27DB-BD31-4B8C-83A1-F6EECF244321}">
-                <p14:modId xmlns:p14="http://schemas.microsoft.com/office/powerpoint/2010/main" val="2877181596"/>
+                <p14:modId xmlns:p14="http://schemas.microsoft.com/office/powerpoint/2010/main" val="3256242744"/>
               </p:ext>
             </p:extLst>
           </p:nvPr>
@@ -13741,7 +13741,7 @@
                     <a:bodyPr/>
                     <a:lstStyle/>
                     <a:p>
-                      <a:pPr algn="l" fontAlgn="b">
+                      <a:pPr algn="ctr" fontAlgn="b">
                         <a:buNone/>
                       </a:pPr>
                       <a:r>
@@ -13763,7 +13763,7 @@
                     <a:bodyPr/>
                     <a:lstStyle/>
                     <a:p>
-                      <a:pPr algn="l" fontAlgn="b">
+                      <a:pPr algn="ctr" fontAlgn="b">
                         <a:buNone/>
                       </a:pPr>
                       <a:r>
@@ -13785,7 +13785,7 @@
                     <a:bodyPr/>
                     <a:lstStyle/>
                     <a:p>
-                      <a:pPr algn="l" fontAlgn="b">
+                      <a:pPr algn="ctr" fontAlgn="b">
                         <a:buNone/>
                       </a:pPr>
                       <a:r>
@@ -13807,7 +13807,7 @@
                     <a:bodyPr/>
                     <a:lstStyle/>
                     <a:p>
-                      <a:pPr algn="r" fontAlgn="b">
+                      <a:pPr algn="ctr" fontAlgn="b">
                         <a:buNone/>
                       </a:pPr>
                       <a:r>
@@ -13829,7 +13829,7 @@
                     <a:bodyPr/>
                     <a:lstStyle/>
                     <a:p>
-                      <a:pPr algn="r" fontAlgn="b">
+                      <a:pPr algn="ctr" fontAlgn="b">
                         <a:buNone/>
                       </a:pPr>
                       <a:r>
@@ -13851,7 +13851,7 @@
                     <a:bodyPr/>
                     <a:lstStyle/>
                     <a:p>
-                      <a:pPr algn="r" fontAlgn="b">
+                      <a:pPr algn="ctr" fontAlgn="b">
                         <a:buNone/>
                       </a:pPr>
                       <a:r>
@@ -13880,7 +13880,7 @@
                     <a:bodyPr/>
                     <a:lstStyle/>
                     <a:p>
-                      <a:pPr algn="l" fontAlgn="b">
+                      <a:pPr algn="ctr" fontAlgn="b">
                         <a:buNone/>
                       </a:pPr>
                       <a:r>
@@ -13902,7 +13902,7 @@
                     <a:bodyPr/>
                     <a:lstStyle/>
                     <a:p>
-                      <a:pPr algn="l" fontAlgn="b">
+                      <a:pPr algn="ctr" fontAlgn="b">
                         <a:buNone/>
                       </a:pPr>
                       <a:r>
@@ -13924,7 +13924,7 @@
                     <a:bodyPr/>
                     <a:lstStyle/>
                     <a:p>
-                      <a:pPr algn="l" fontAlgn="b">
+                      <a:pPr algn="ctr" fontAlgn="b">
                         <a:buNone/>
                       </a:pPr>
                       <a:r>
@@ -13966,7 +13966,7 @@
                     <a:bodyPr/>
                     <a:lstStyle/>
                     <a:p>
-                      <a:pPr algn="r" fontAlgn="b">
+                      <a:pPr algn="ctr" fontAlgn="b">
                         <a:buNone/>
                       </a:pPr>
                       <a:r>
@@ -13988,7 +13988,7 @@
                     <a:bodyPr/>
                     <a:lstStyle/>
                     <a:p>
-                      <a:pPr algn="r" fontAlgn="b">
+                      <a:pPr algn="ctr" fontAlgn="b">
                         <a:buNone/>
                       </a:pPr>
                       <a:r>
@@ -14010,7 +14010,7 @@
                     <a:bodyPr/>
                     <a:lstStyle/>
                     <a:p>
-                      <a:pPr algn="r" fontAlgn="b">
+                      <a:pPr algn="ctr" fontAlgn="b">
                         <a:buNone/>
                       </a:pPr>
                       <a:r>
@@ -14039,7 +14039,7 @@
                     <a:bodyPr/>
                     <a:lstStyle/>
                     <a:p>
-                      <a:pPr algn="l" fontAlgn="b">
+                      <a:pPr algn="ctr" fontAlgn="b">
                         <a:buNone/>
                       </a:pPr>
                       <a:r>
@@ -14061,7 +14061,7 @@
                     <a:bodyPr/>
                     <a:lstStyle/>
                     <a:p>
-                      <a:pPr algn="l" fontAlgn="b">
+                      <a:pPr algn="ctr" fontAlgn="b">
                         <a:buNone/>
                       </a:pPr>
                       <a:r>
@@ -14083,7 +14083,7 @@
                     <a:bodyPr/>
                     <a:lstStyle/>
                     <a:p>
-                      <a:pPr algn="l" fontAlgn="b">
+                      <a:pPr algn="ctr" fontAlgn="b">
                         <a:buNone/>
                       </a:pPr>
                       <a:r>
@@ -14125,7 +14125,7 @@
                     <a:bodyPr/>
                     <a:lstStyle/>
                     <a:p>
-                      <a:pPr algn="r" fontAlgn="b">
+                      <a:pPr algn="ctr" fontAlgn="b">
                         <a:buNone/>
                       </a:pPr>
                       <a:r>
@@ -14147,7 +14147,7 @@
                     <a:bodyPr/>
                     <a:lstStyle/>
                     <a:p>
-                      <a:pPr algn="r" fontAlgn="b">
+                      <a:pPr algn="ctr" fontAlgn="b">
                         <a:buNone/>
                       </a:pPr>
                       <a:r>
@@ -14169,7 +14169,7 @@
                     <a:bodyPr/>
                     <a:lstStyle/>
                     <a:p>
-                      <a:pPr algn="r" fontAlgn="b">
+                      <a:pPr algn="ctr" fontAlgn="b">
                         <a:buNone/>
                       </a:pPr>
                       <a:r>
@@ -14198,7 +14198,7 @@
                     <a:bodyPr/>
                     <a:lstStyle/>
                     <a:p>
-                      <a:pPr algn="l" fontAlgn="b">
+                      <a:pPr algn="ctr" fontAlgn="b">
                         <a:buNone/>
                       </a:pPr>
                       <a:r>
@@ -14220,7 +14220,7 @@
                     <a:bodyPr/>
                     <a:lstStyle/>
                     <a:p>
-                      <a:pPr algn="l" fontAlgn="b">
+                      <a:pPr algn="ctr" fontAlgn="b">
                         <a:buNone/>
                       </a:pPr>
                       <a:r>
@@ -14242,7 +14242,71 @@
                     <a:bodyPr/>
                     <a:lstStyle/>
                     <a:p>
-                      <a:pPr algn="l" fontAlgn="b">
+                      <a:pPr algn="ctr" fontAlgn="b">
+                        <a:buNone/>
+                      </a:pPr>
+                      <a:r>
+                        <a:rPr lang="en-US" sz="1800" b="0" i="0" u="none" strike="noStrike" dirty="0">
+                          <a:solidFill>
+                            <a:srgbClr val="000000"/>
+                          </a:solidFill>
+                          <a:effectLst/>
+                          <a:latin typeface="+mj-lt"/>
+                        </a:rPr>
+                        <a:t>{</a:t>
+                      </a:r>
+                      <a:r>
+                        <a:rPr lang="en-US" sz="1800" b="0" i="0" u="none" strike="noStrike" dirty="0" err="1">
+                          <a:solidFill>
+                            <a:srgbClr val="000000"/>
+                          </a:solidFill>
+                          <a:effectLst/>
+                          <a:latin typeface="+mj-lt"/>
+                        </a:rPr>
+                        <a:t>WorkFromHome</a:t>
+                      </a:r>
+                      <a:r>
+                        <a:rPr lang="en-US" sz="1800" b="0" i="0" u="none" strike="noStrike" dirty="0">
+                          <a:solidFill>
+                            <a:srgbClr val="000000"/>
+                          </a:solidFill>
+                          <a:effectLst/>
+                          <a:latin typeface="+mj-lt"/>
+                        </a:rPr>
+                        <a:t>=False}</a:t>
+                      </a:r>
+                    </a:p>
+                  </a:txBody>
+                  <a:tcPr marL="7620" marR="7620" marT="7620" marB="0" anchor="b"/>
+                </a:tc>
+                <a:tc>
+                  <a:txBody>
+                    <a:bodyPr/>
+                    <a:lstStyle/>
+                    <a:p>
+                      <a:pPr algn="ctr" fontAlgn="b">
+                        <a:buNone/>
+                      </a:pPr>
+                      <a:r>
+                        <a:rPr lang="en-US" sz="1800" b="0" i="0" u="none" strike="noStrike" dirty="0">
+                          <a:solidFill>
+                            <a:srgbClr val="000000"/>
+                          </a:solidFill>
+                          <a:effectLst/>
+                          <a:latin typeface="+mj-lt"/>
+                        </a:rPr>
+                        <a:t>0.02</a:t>
+                      </a:r>
+                    </a:p>
+                  </a:txBody>
+                  <a:tcPr marL="7620" marR="7620" marT="7620" marB="0" anchor="b"/>
+                </a:tc>
+                <a:tc>
+                  <a:txBody>
+                    <a:bodyPr/>
+                    <a:lstStyle/>
+                    <a:p>
+                      <a:pPr algn="ctr" fontAlgn="b">
                         <a:buNone/>
                       </a:pPr>
                       <a:r>
@@ -14253,50 +14317,6 @@
                           <a:effectLst/>
                           <a:latin typeface="+mj-lt"/>
                         </a:rPr>
-                        <a:t>{WorkFromHome=False}</a:t>
-                      </a:r>
-                    </a:p>
-                  </a:txBody>
-                  <a:tcPr marL="7620" marR="7620" marT="7620" marB="0" anchor="b"/>
-                </a:tc>
-                <a:tc>
-                  <a:txBody>
-                    <a:bodyPr/>
-                    <a:lstStyle/>
-                    <a:p>
-                      <a:pPr algn="r" fontAlgn="b">
-                        <a:buNone/>
-                      </a:pPr>
-                      <a:r>
-                        <a:rPr lang="en-US" sz="1800" b="0" i="0" u="none" strike="noStrike" dirty="0">
-                          <a:solidFill>
-                            <a:srgbClr val="000000"/>
-                          </a:solidFill>
-                          <a:effectLst/>
-                          <a:latin typeface="+mj-lt"/>
-                        </a:rPr>
-                        <a:t>0.02</a:t>
-                      </a:r>
-                    </a:p>
-                  </a:txBody>
-                  <a:tcPr marL="7620" marR="7620" marT="7620" marB="0" anchor="b"/>
-                </a:tc>
-                <a:tc>
-                  <a:txBody>
-                    <a:bodyPr/>
-                    <a:lstStyle/>
-                    <a:p>
-                      <a:pPr algn="r" fontAlgn="b">
-                        <a:buNone/>
-                      </a:pPr>
-                      <a:r>
-                        <a:rPr lang="en-US" sz="1800" b="0" i="0" u="none" strike="noStrike">
-                          <a:solidFill>
-                            <a:srgbClr val="000000"/>
-                          </a:solidFill>
-                          <a:effectLst/>
-                          <a:latin typeface="+mj-lt"/>
-                        </a:rPr>
                         <a:t>0.96</a:t>
                       </a:r>
                     </a:p>
@@ -14308,7 +14328,7 @@
                     <a:bodyPr/>
                     <a:lstStyle/>
                     <a:p>
-                      <a:pPr algn="r" fontAlgn="b">
+                      <a:pPr algn="ctr" fontAlgn="b">
                         <a:buNone/>
                       </a:pPr>
                       <a:r>
@@ -14337,7 +14357,7 @@
                     <a:bodyPr/>
                     <a:lstStyle/>
                     <a:p>
-                      <a:pPr algn="l" fontAlgn="b">
+                      <a:pPr algn="ctr" fontAlgn="b">
                         <a:buNone/>
                       </a:pPr>
                       <a:r>
@@ -14359,7 +14379,7 @@
                     <a:bodyPr/>
                     <a:lstStyle/>
                     <a:p>
-                      <a:pPr algn="l" fontAlgn="b">
+                      <a:pPr algn="ctr" fontAlgn="b">
                         <a:buNone/>
                       </a:pPr>
                       <a:r>
@@ -14381,7 +14401,7 @@
                     <a:bodyPr/>
                     <a:lstStyle/>
                     <a:p>
-                      <a:pPr algn="l" fontAlgn="b">
+                      <a:pPr algn="ctr" fontAlgn="b">
                         <a:buNone/>
                       </a:pPr>
                       <a:r>
@@ -14403,7 +14423,7 @@
                     <a:bodyPr/>
                     <a:lstStyle/>
                     <a:p>
-                      <a:pPr algn="r" fontAlgn="b">
+                      <a:pPr algn="ctr" fontAlgn="b">
                         <a:buNone/>
                       </a:pPr>
                       <a:r>
@@ -14425,7 +14445,7 @@
                     <a:bodyPr/>
                     <a:lstStyle/>
                     <a:p>
-                      <a:pPr algn="r" fontAlgn="b">
+                      <a:pPr algn="ctr" fontAlgn="b">
                         <a:buNone/>
                       </a:pPr>
                       <a:r>
@@ -14447,11 +14467,11 @@
                     <a:bodyPr/>
                     <a:lstStyle/>
                     <a:p>
-                      <a:pPr algn="r" fontAlgn="b">
-                        <a:buNone/>
-                      </a:pPr>
-                      <a:r>
-                        <a:rPr lang="en-US" sz="1800" b="0" i="0" u="none" strike="noStrike">
+                      <a:pPr algn="ctr" fontAlgn="b">
+                        <a:buNone/>
+                      </a:pPr>
+                      <a:r>
+                        <a:rPr lang="en-US" sz="1800" b="0" i="0" u="none" strike="noStrike" dirty="0">
                           <a:solidFill>
                             <a:srgbClr val="000000"/>
                           </a:solidFill>
@@ -14476,7 +14496,7 @@
                     <a:bodyPr/>
                     <a:lstStyle/>
                     <a:p>
-                      <a:pPr algn="l" fontAlgn="b">
+                      <a:pPr algn="ctr" fontAlgn="b">
                         <a:buNone/>
                       </a:pPr>
                       <a:r>
@@ -14498,7 +14518,7 @@
                     <a:bodyPr/>
                     <a:lstStyle/>
                     <a:p>
-                      <a:pPr algn="l" fontAlgn="b">
+                      <a:pPr algn="ctr" fontAlgn="b">
                         <a:buNone/>
                       </a:pPr>
                       <a:r>
@@ -14520,7 +14540,7 @@
                     <a:bodyPr/>
                     <a:lstStyle/>
                     <a:p>
-                      <a:pPr algn="l" fontAlgn="b">
+                      <a:pPr algn="ctr" fontAlgn="b">
                         <a:buNone/>
                       </a:pPr>
                       <a:r>
@@ -14542,7 +14562,7 @@
                     <a:bodyPr/>
                     <a:lstStyle/>
                     <a:p>
-                      <a:pPr algn="r" fontAlgn="b">
+                      <a:pPr algn="ctr" fontAlgn="b">
                         <a:buNone/>
                       </a:pPr>
                       <a:r>
@@ -14564,7 +14584,7 @@
                     <a:bodyPr/>
                     <a:lstStyle/>
                     <a:p>
-                      <a:pPr algn="r" fontAlgn="b">
+                      <a:pPr algn="ctr" fontAlgn="b">
                         <a:buNone/>
                       </a:pPr>
                       <a:r>
@@ -14586,7 +14606,7 @@
                     <a:bodyPr/>
                     <a:lstStyle/>
                     <a:p>
-                      <a:pPr algn="r" fontAlgn="b">
+                      <a:pPr algn="ctr" fontAlgn="b">
                         <a:buNone/>
                       </a:pPr>
                       <a:r>
@@ -14723,7 +14743,7 @@
             <p:ph sz="quarter" idx="13"/>
             <p:extLst>
               <p:ext uri="{D42A27DB-BD31-4B8C-83A1-F6EECF244321}">
-                <p14:modId xmlns:p14="http://schemas.microsoft.com/office/powerpoint/2010/main" val="3921583275"/>
+                <p14:modId xmlns:p14="http://schemas.microsoft.com/office/powerpoint/2010/main" val="3637955651"/>
               </p:ext>
             </p:extLst>
           </p:nvPr>
@@ -14931,7 +14951,51 @@
                     <a:bodyPr/>
                     <a:lstStyle/>
                     <a:p>
-                      <a:pPr algn="l" fontAlgn="b">
+                      <a:pPr algn="ctr" fontAlgn="b">
+                        <a:buNone/>
+                      </a:pPr>
+                      <a:r>
+                        <a:rPr lang="en-US" sz="1800" b="0" i="0" u="none" strike="noStrike" dirty="0">
+                          <a:solidFill>
+                            <a:srgbClr val="000000"/>
+                          </a:solidFill>
+                          <a:effectLst/>
+                          <a:latin typeface="+mj-lt"/>
+                        </a:rPr>
+                        <a:t>{NAICS2=49}</a:t>
+                      </a:r>
+                    </a:p>
+                  </a:txBody>
+                  <a:tcPr marL="7620" marR="7620" marT="7620" marB="0" anchor="b"/>
+                </a:tc>
+                <a:tc>
+                  <a:txBody>
+                    <a:bodyPr/>
+                    <a:lstStyle/>
+                    <a:p>
+                      <a:pPr algn="ctr" fontAlgn="b">
+                        <a:buNone/>
+                      </a:pPr>
+                      <a:r>
+                        <a:rPr lang="en-US" sz="1800" b="0" i="0" u="none" strike="noStrike" dirty="0">
+                          <a:solidFill>
+                            <a:srgbClr val="000000"/>
+                          </a:solidFill>
+                          <a:effectLst/>
+                          <a:latin typeface="+mj-lt"/>
+                        </a:rPr>
+                        <a:t>=&gt;</a:t>
+                      </a:r>
+                    </a:p>
+                  </a:txBody>
+                  <a:tcPr marL="7620" marR="7620" marT="7620" marB="0" anchor="b"/>
+                </a:tc>
+                <a:tc>
+                  <a:txBody>
+                    <a:bodyPr/>
+                    <a:lstStyle/>
+                    <a:p>
+                      <a:pPr algn="ctr" fontAlgn="b">
                         <a:buNone/>
                       </a:pPr>
                       <a:r>
@@ -14942,50 +15006,6 @@
                           <a:effectLst/>
                           <a:latin typeface="+mj-lt"/>
                         </a:rPr>
-                        <a:t>{NAICS2=49}</a:t>
-                      </a:r>
-                    </a:p>
-                  </a:txBody>
-                  <a:tcPr marL="7620" marR="7620" marT="7620" marB="0" anchor="b"/>
-                </a:tc>
-                <a:tc>
-                  <a:txBody>
-                    <a:bodyPr/>
-                    <a:lstStyle/>
-                    <a:p>
-                      <a:pPr algn="l" fontAlgn="b">
-                        <a:buNone/>
-                      </a:pPr>
-                      <a:r>
-                        <a:rPr lang="en-US" sz="1800" b="0" i="0" u="none" strike="noStrike">
-                          <a:solidFill>
-                            <a:srgbClr val="000000"/>
-                          </a:solidFill>
-                          <a:effectLst/>
-                          <a:latin typeface="+mj-lt"/>
-                        </a:rPr>
-                        <a:t>=&gt;</a:t>
-                      </a:r>
-                    </a:p>
-                  </a:txBody>
-                  <a:tcPr marL="7620" marR="7620" marT="7620" marB="0" anchor="b"/>
-                </a:tc>
-                <a:tc>
-                  <a:txBody>
-                    <a:bodyPr/>
-                    <a:lstStyle/>
-                    <a:p>
-                      <a:pPr algn="l" fontAlgn="b">
-                        <a:buNone/>
-                      </a:pPr>
-                      <a:r>
-                        <a:rPr lang="en-US" sz="1800" b="0" i="0" u="none" strike="noStrike">
-                          <a:solidFill>
-                            <a:srgbClr val="000000"/>
-                          </a:solidFill>
-                          <a:effectLst/>
-                          <a:latin typeface="+mj-lt"/>
-                        </a:rPr>
                         <a:t>{WorkFromHome=False}</a:t>
                       </a:r>
                     </a:p>
@@ -14997,7 +15017,7 @@
                     <a:bodyPr/>
                     <a:lstStyle/>
                     <a:p>
-                      <a:pPr algn="r" fontAlgn="b">
+                      <a:pPr algn="ctr" fontAlgn="b">
                         <a:buNone/>
                       </a:pPr>
                       <a:r>
@@ -15019,7 +15039,7 @@
                     <a:bodyPr/>
                     <a:lstStyle/>
                     <a:p>
-                      <a:pPr algn="r" fontAlgn="b">
+                      <a:pPr algn="ctr" fontAlgn="b">
                         <a:buNone/>
                       </a:pPr>
                       <a:r>
@@ -15041,7 +15061,7 @@
                     <a:bodyPr/>
                     <a:lstStyle/>
                     <a:p>
-                      <a:pPr algn="r" fontAlgn="b">
+                      <a:pPr algn="ctr" fontAlgn="b">
                         <a:buNone/>
                       </a:pPr>
                       <a:r>
@@ -15070,7 +15090,7 @@
                     <a:bodyPr/>
                     <a:lstStyle/>
                     <a:p>
-                      <a:pPr algn="l" fontAlgn="b">
+                      <a:pPr algn="ctr" fontAlgn="b">
                         <a:buNone/>
                       </a:pPr>
                       <a:r>
@@ -15092,7 +15112,7 @@
                     <a:bodyPr/>
                     <a:lstStyle/>
                     <a:p>
-                      <a:pPr algn="l" fontAlgn="b">
+                      <a:pPr algn="ctr" fontAlgn="b">
                         <a:buNone/>
                       </a:pPr>
                       <a:r>
@@ -15114,29 +15134,7 @@
                     <a:bodyPr/>
                     <a:lstStyle/>
                     <a:p>
-                      <a:pPr algn="l" fontAlgn="b">
-                        <a:buNone/>
-                      </a:pPr>
-                      <a:r>
-                        <a:rPr lang="en-US" sz="1800" b="0" i="0" u="none" strike="noStrike">
-                          <a:solidFill>
-                            <a:srgbClr val="000000"/>
-                          </a:solidFill>
-                          <a:effectLst/>
-                          <a:latin typeface="+mj-lt"/>
-                        </a:rPr>
-                        <a:t>{WorkFromHome=True}</a:t>
-                      </a:r>
-                    </a:p>
-                  </a:txBody>
-                  <a:tcPr marL="7620" marR="7620" marT="7620" marB="0" anchor="b"/>
-                </a:tc>
-                <a:tc>
-                  <a:txBody>
-                    <a:bodyPr/>
-                    <a:lstStyle/>
-                    <a:p>
-                      <a:pPr algn="r" fontAlgn="b">
+                      <a:pPr algn="ctr" fontAlgn="b">
                         <a:buNone/>
                       </a:pPr>
                       <a:r>
@@ -15147,6 +15145,48 @@
                           <a:effectLst/>
                           <a:latin typeface="+mj-lt"/>
                         </a:rPr>
+                        <a:t>{</a:t>
+                      </a:r>
+                      <a:r>
+                        <a:rPr lang="en-US" sz="1800" b="0" i="0" u="none" strike="noStrike" dirty="0" err="1">
+                          <a:solidFill>
+                            <a:srgbClr val="000000"/>
+                          </a:solidFill>
+                          <a:effectLst/>
+                          <a:latin typeface="+mj-lt"/>
+                        </a:rPr>
+                        <a:t>WorkFromHome</a:t>
+                      </a:r>
+                      <a:r>
+                        <a:rPr lang="en-US" sz="1800" b="0" i="0" u="none" strike="noStrike" dirty="0">
+                          <a:solidFill>
+                            <a:srgbClr val="000000"/>
+                          </a:solidFill>
+                          <a:effectLst/>
+                          <a:latin typeface="+mj-lt"/>
+                        </a:rPr>
+                        <a:t>=True}</a:t>
+                      </a:r>
+                    </a:p>
+                  </a:txBody>
+                  <a:tcPr marL="7620" marR="7620" marT="7620" marB="0" anchor="b"/>
+                </a:tc>
+                <a:tc>
+                  <a:txBody>
+                    <a:bodyPr/>
+                    <a:lstStyle/>
+                    <a:p>
+                      <a:pPr algn="ctr" fontAlgn="b">
+                        <a:buNone/>
+                      </a:pPr>
+                      <a:r>
+                        <a:rPr lang="en-US" sz="1800" b="0" i="0" u="none" strike="noStrike" dirty="0">
+                          <a:solidFill>
+                            <a:srgbClr val="000000"/>
+                          </a:solidFill>
+                          <a:effectLst/>
+                          <a:latin typeface="+mj-lt"/>
+                        </a:rPr>
                         <a:t>0.86</a:t>
                       </a:r>
                     </a:p>
@@ -15158,7 +15198,7 @@
                     <a:bodyPr/>
                     <a:lstStyle/>
                     <a:p>
-                      <a:pPr algn="r" fontAlgn="b">
+                      <a:pPr algn="ctr" fontAlgn="b">
                         <a:buNone/>
                       </a:pPr>
                       <a:r>
@@ -15180,7 +15220,7 @@
                     <a:bodyPr/>
                     <a:lstStyle/>
                     <a:p>
-                      <a:pPr algn="r" fontAlgn="b">
+                      <a:pPr algn="ctr" fontAlgn="b">
                         <a:buNone/>
                       </a:pPr>
                       <a:r>
@@ -15240,6 +15280,1131 @@
           </a:p>
         </p:txBody>
       </p:sp>
+      <p:sp>
+        <p:nvSpPr>
+          <p:cNvPr id="6" name="TextBox 5">
+            <a:extLst>
+              <a:ext uri="{FF2B5EF4-FFF2-40B4-BE49-F238E27FC236}">
+                <a16:creationId xmlns:a16="http://schemas.microsoft.com/office/drawing/2014/main" id="{6C4F798C-8509-9EF3-BCCB-6BF92719F6DF}"/>
+              </a:ext>
+            </a:extLst>
+          </p:cNvPr>
+          <p:cNvSpPr txBox="1"/>
+          <p:nvPr/>
+        </p:nvSpPr>
+        <p:spPr>
+          <a:xfrm>
+            <a:off x="706420" y="1180307"/>
+            <a:ext cx="841897" cy="369332"/>
+          </a:xfrm>
+          <a:prstGeom prst="rect">
+            <a:avLst/>
+          </a:prstGeom>
+          <a:noFill/>
+        </p:spPr>
+        <p:txBody>
+          <a:bodyPr wrap="none" rtlCol="0">
+            <a:spAutoFit/>
+          </a:bodyPr>
+          <a:lstStyle/>
+          <a:p>
+            <a:r>
+              <a:rPr lang="en-US" dirty="0"/>
+              <a:t>m2cba</a:t>
+            </a:r>
+          </a:p>
+        </p:txBody>
+      </p:sp>
+      <p:sp>
+        <p:nvSpPr>
+          <p:cNvPr id="7" name="TextBox 6">
+            <a:extLst>
+              <a:ext uri="{FF2B5EF4-FFF2-40B4-BE49-F238E27FC236}">
+                <a16:creationId xmlns:a16="http://schemas.microsoft.com/office/drawing/2014/main" id="{8313753C-82C9-1C5F-299A-FACA912C2B21}"/>
+              </a:ext>
+            </a:extLst>
+          </p:cNvPr>
+          <p:cNvSpPr txBox="1"/>
+          <p:nvPr/>
+        </p:nvSpPr>
+        <p:spPr>
+          <a:xfrm>
+            <a:off x="627592" y="2954297"/>
+            <a:ext cx="841897" cy="369332"/>
+          </a:xfrm>
+          <a:prstGeom prst="rect">
+            <a:avLst/>
+          </a:prstGeom>
+          <a:noFill/>
+        </p:spPr>
+        <p:txBody>
+          <a:bodyPr wrap="none" rtlCol="0">
+            <a:spAutoFit/>
+          </a:bodyPr>
+          <a:lstStyle/>
+          <a:p>
+            <a:r>
+              <a:rPr lang="en-US" dirty="0"/>
+              <a:t>m1cba</a:t>
+            </a:r>
+          </a:p>
+        </p:txBody>
+      </p:sp>
+      <p:graphicFrame>
+        <p:nvGraphicFramePr>
+          <p:cNvPr id="8" name="Content Placeholder 4">
+            <a:extLst>
+              <a:ext uri="{FF2B5EF4-FFF2-40B4-BE49-F238E27FC236}">
+                <a16:creationId xmlns:a16="http://schemas.microsoft.com/office/drawing/2014/main" id="{569FA81F-8BEA-8E83-C10C-AC20D9913D80}"/>
+              </a:ext>
+            </a:extLst>
+          </p:cNvPr>
+          <p:cNvGraphicFramePr>
+            <a:graphicFrameLocks/>
+          </p:cNvGraphicFramePr>
+          <p:nvPr>
+            <p:extLst>
+              <p:ext uri="{D42A27DB-BD31-4B8C-83A1-F6EECF244321}">
+                <p14:modId xmlns:p14="http://schemas.microsoft.com/office/powerpoint/2010/main" val="1664723791"/>
+              </p:ext>
+            </p:extLst>
+          </p:nvPr>
+        </p:nvGraphicFramePr>
+        <p:xfrm>
+          <a:off x="471488" y="3403272"/>
+          <a:ext cx="11271246" cy="2595880"/>
+        </p:xfrm>
+        <a:graphic>
+          <a:graphicData uri="http://schemas.openxmlformats.org/drawingml/2006/table">
+            <a:tbl>
+              <a:tblPr firstRow="1" bandRow="1">
+                <a:tableStyleId>{5C22544A-7EE6-4342-B048-85BDC9FD1C3A}</a:tableStyleId>
+              </a:tblPr>
+              <a:tblGrid>
+                <a:gridCol w="1809257">
+                  <a:extLst>
+                    <a:ext uri="{9D8B030D-6E8A-4147-A177-3AD203B41FA5}">
+                      <a16:colId xmlns:a16="http://schemas.microsoft.com/office/drawing/2014/main" val="1483733073"/>
+                    </a:ext>
+                  </a:extLst>
+                </a:gridCol>
+                <a:gridCol w="641131">
+                  <a:extLst>
+                    <a:ext uri="{9D8B030D-6E8A-4147-A177-3AD203B41FA5}">
+                      <a16:colId xmlns:a16="http://schemas.microsoft.com/office/drawing/2014/main" val="3594378569"/>
+                    </a:ext>
+                  </a:extLst>
+                </a:gridCol>
+                <a:gridCol w="3185235">
+                  <a:extLst>
+                    <a:ext uri="{9D8B030D-6E8A-4147-A177-3AD203B41FA5}">
+                      <a16:colId xmlns:a16="http://schemas.microsoft.com/office/drawing/2014/main" val="4086106050"/>
+                    </a:ext>
+                  </a:extLst>
+                </a:gridCol>
+                <a:gridCol w="1878541">
+                  <a:extLst>
+                    <a:ext uri="{9D8B030D-6E8A-4147-A177-3AD203B41FA5}">
+                      <a16:colId xmlns:a16="http://schemas.microsoft.com/office/drawing/2014/main" val="411150763"/>
+                    </a:ext>
+                  </a:extLst>
+                </a:gridCol>
+                <a:gridCol w="1878541">
+                  <a:extLst>
+                    <a:ext uri="{9D8B030D-6E8A-4147-A177-3AD203B41FA5}">
+                      <a16:colId xmlns:a16="http://schemas.microsoft.com/office/drawing/2014/main" val="605166719"/>
+                    </a:ext>
+                  </a:extLst>
+                </a:gridCol>
+                <a:gridCol w="1878541">
+                  <a:extLst>
+                    <a:ext uri="{9D8B030D-6E8A-4147-A177-3AD203B41FA5}">
+                      <a16:colId xmlns:a16="http://schemas.microsoft.com/office/drawing/2014/main" val="1596438971"/>
+                    </a:ext>
+                  </a:extLst>
+                </a:gridCol>
+              </a:tblGrid>
+              <a:tr h="370840">
+                <a:tc>
+                  <a:txBody>
+                    <a:bodyPr/>
+                    <a:lstStyle/>
+                    <a:p>
+                      <a:pPr algn="ctr" fontAlgn="b">
+                        <a:buNone/>
+                      </a:pPr>
+                      <a:r>
+                        <a:rPr lang="en-US" sz="1800" b="0" i="0" u="none" strike="noStrike" dirty="0" err="1">
+                          <a:solidFill>
+                            <a:schemeClr val="bg1"/>
+                          </a:solidFill>
+                          <a:effectLst/>
+                          <a:latin typeface="+mj-lt"/>
+                        </a:rPr>
+                        <a:t>lhs</a:t>
+                      </a:r>
+                      <a:endParaRPr lang="en-US" sz="1800" b="0" i="0" u="none" strike="noStrike" dirty="0">
+                        <a:solidFill>
+                          <a:schemeClr val="bg1"/>
+                        </a:solidFill>
+                        <a:effectLst/>
+                        <a:latin typeface="+mj-lt"/>
+                      </a:endParaRPr>
+                    </a:p>
+                  </a:txBody>
+                  <a:tcPr marL="7620" marR="7620" marT="7620" marB="0" anchor="b"/>
+                </a:tc>
+                <a:tc>
+                  <a:txBody>
+                    <a:bodyPr/>
+                    <a:lstStyle/>
+                    <a:p>
+                      <a:pPr algn="ctr" fontAlgn="b">
+                        <a:buNone/>
+                      </a:pPr>
+                      <a:endParaRPr lang="en-US" sz="1800" b="0" i="0" u="none" strike="noStrike" dirty="0">
+                        <a:solidFill>
+                          <a:schemeClr val="bg1"/>
+                        </a:solidFill>
+                        <a:effectLst/>
+                        <a:latin typeface="+mj-lt"/>
+                      </a:endParaRPr>
+                    </a:p>
+                  </a:txBody>
+                  <a:tcPr marL="7620" marR="7620" marT="7620" marB="0" anchor="b"/>
+                </a:tc>
+                <a:tc>
+                  <a:txBody>
+                    <a:bodyPr/>
+                    <a:lstStyle/>
+                    <a:p>
+                      <a:pPr algn="ctr" fontAlgn="b">
+                        <a:buNone/>
+                      </a:pPr>
+                      <a:r>
+                        <a:rPr lang="en-US" sz="1800" b="0" i="0" u="none" strike="noStrike">
+                          <a:solidFill>
+                            <a:schemeClr val="bg1"/>
+                          </a:solidFill>
+                          <a:effectLst/>
+                          <a:latin typeface="+mj-lt"/>
+                        </a:rPr>
+                        <a:t>rhs</a:t>
+                      </a:r>
+                    </a:p>
+                  </a:txBody>
+                  <a:tcPr marL="7620" marR="7620" marT="7620" marB="0" anchor="b"/>
+                </a:tc>
+                <a:tc>
+                  <a:txBody>
+                    <a:bodyPr/>
+                    <a:lstStyle/>
+                    <a:p>
+                      <a:pPr algn="ctr" fontAlgn="b">
+                        <a:buNone/>
+                      </a:pPr>
+                      <a:r>
+                        <a:rPr lang="en-US" sz="1800" b="0" i="0" u="none" strike="noStrike" dirty="0">
+                          <a:solidFill>
+                            <a:schemeClr val="bg1"/>
+                          </a:solidFill>
+                          <a:effectLst/>
+                          <a:latin typeface="+mj-lt"/>
+                        </a:rPr>
+                        <a:t>support</a:t>
+                      </a:r>
+                    </a:p>
+                  </a:txBody>
+                  <a:tcPr marL="7620" marR="7620" marT="7620" marB="0" anchor="b"/>
+                </a:tc>
+                <a:tc>
+                  <a:txBody>
+                    <a:bodyPr/>
+                    <a:lstStyle/>
+                    <a:p>
+                      <a:pPr algn="ctr" fontAlgn="b">
+                        <a:buNone/>
+                      </a:pPr>
+                      <a:r>
+                        <a:rPr lang="en-US" sz="1800" b="0" i="0" u="none" strike="noStrike" dirty="0">
+                          <a:solidFill>
+                            <a:schemeClr val="bg1"/>
+                          </a:solidFill>
+                          <a:effectLst/>
+                          <a:latin typeface="+mj-lt"/>
+                        </a:rPr>
+                        <a:t>confidence</a:t>
+                      </a:r>
+                    </a:p>
+                  </a:txBody>
+                  <a:tcPr marL="7620" marR="7620" marT="7620" marB="0" anchor="b"/>
+                </a:tc>
+                <a:tc>
+                  <a:txBody>
+                    <a:bodyPr/>
+                    <a:lstStyle/>
+                    <a:p>
+                      <a:pPr algn="ctr" fontAlgn="b">
+                        <a:buNone/>
+                      </a:pPr>
+                      <a:r>
+                        <a:rPr lang="en-US" sz="1800" b="0" i="0" u="none" strike="noStrike" dirty="0">
+                          <a:solidFill>
+                            <a:schemeClr val="bg1"/>
+                          </a:solidFill>
+                          <a:effectLst/>
+                          <a:latin typeface="+mj-lt"/>
+                        </a:rPr>
+                        <a:t>lift</a:t>
+                      </a:r>
+                    </a:p>
+                  </a:txBody>
+                  <a:tcPr marL="7620" marR="7620" marT="7620" marB="0" anchor="b"/>
+                </a:tc>
+                <a:extLst>
+                  <a:ext uri="{0D108BD9-81ED-4DB2-BD59-A6C34878D82A}">
+                    <a16:rowId xmlns:a16="http://schemas.microsoft.com/office/drawing/2014/main" val="1217394764"/>
+                  </a:ext>
+                </a:extLst>
+              </a:tr>
+              <a:tr h="370840">
+                <a:tc>
+                  <a:txBody>
+                    <a:bodyPr/>
+                    <a:lstStyle/>
+                    <a:p>
+                      <a:pPr algn="ctr" fontAlgn="b">
+                        <a:buNone/>
+                      </a:pPr>
+                      <a:r>
+                        <a:rPr lang="en-US" sz="1800" b="0" i="0" u="none" strike="noStrike">
+                          <a:solidFill>
+                            <a:srgbClr val="000000"/>
+                          </a:solidFill>
+                          <a:effectLst/>
+                          <a:latin typeface="+mj-lt"/>
+                        </a:rPr>
+                        <a:t>{NAICS2=49}</a:t>
+                      </a:r>
+                    </a:p>
+                  </a:txBody>
+                  <a:tcPr marL="7620" marR="7620" marT="7620" marB="0" anchor="b"/>
+                </a:tc>
+                <a:tc>
+                  <a:txBody>
+                    <a:bodyPr/>
+                    <a:lstStyle/>
+                    <a:p>
+                      <a:pPr algn="ctr" fontAlgn="b">
+                        <a:buNone/>
+                      </a:pPr>
+                      <a:r>
+                        <a:rPr lang="en-US" sz="1800" b="0" i="0" u="none" strike="noStrike">
+                          <a:solidFill>
+                            <a:srgbClr val="000000"/>
+                          </a:solidFill>
+                          <a:effectLst/>
+                          <a:latin typeface="+mj-lt"/>
+                        </a:rPr>
+                        <a:t>=&gt;</a:t>
+                      </a:r>
+                    </a:p>
+                  </a:txBody>
+                  <a:tcPr marL="7620" marR="7620" marT="7620" marB="0" anchor="b"/>
+                </a:tc>
+                <a:tc>
+                  <a:txBody>
+                    <a:bodyPr/>
+                    <a:lstStyle/>
+                    <a:p>
+                      <a:pPr algn="ctr" fontAlgn="b">
+                        <a:buNone/>
+                      </a:pPr>
+                      <a:r>
+                        <a:rPr lang="en-US" sz="1800" b="0" i="0" u="none" strike="noStrike">
+                          <a:solidFill>
+                            <a:srgbClr val="000000"/>
+                          </a:solidFill>
+                          <a:effectLst/>
+                          <a:latin typeface="+mj-lt"/>
+                        </a:rPr>
+                        <a:t>{WorkFromHome=False}</a:t>
+                      </a:r>
+                    </a:p>
+                  </a:txBody>
+                  <a:tcPr marL="7620" marR="7620" marT="7620" marB="0" anchor="b"/>
+                </a:tc>
+                <a:tc>
+                  <a:txBody>
+                    <a:bodyPr/>
+                    <a:lstStyle/>
+                    <a:p>
+                      <a:pPr algn="ctr" fontAlgn="b">
+                        <a:buNone/>
+                      </a:pPr>
+                      <a:r>
+                        <a:rPr lang="en-US" sz="1800" b="0" i="0" u="none" strike="noStrike">
+                          <a:solidFill>
+                            <a:srgbClr val="000000"/>
+                          </a:solidFill>
+                          <a:effectLst/>
+                          <a:latin typeface="+mj-lt"/>
+                        </a:rPr>
+                        <a:t>0.03</a:t>
+                      </a:r>
+                    </a:p>
+                  </a:txBody>
+                  <a:tcPr marL="7620" marR="7620" marT="7620" marB="0" anchor="b"/>
+                </a:tc>
+                <a:tc>
+                  <a:txBody>
+                    <a:bodyPr/>
+                    <a:lstStyle/>
+                    <a:p>
+                      <a:pPr algn="ctr" fontAlgn="b">
+                        <a:buNone/>
+                      </a:pPr>
+                      <a:r>
+                        <a:rPr lang="en-US" sz="1800" b="0" i="0" u="none" strike="noStrike">
+                          <a:solidFill>
+                            <a:srgbClr val="000000"/>
+                          </a:solidFill>
+                          <a:effectLst/>
+                          <a:latin typeface="+mj-lt"/>
+                        </a:rPr>
+                        <a:t>0.99</a:t>
+                      </a:r>
+                    </a:p>
+                  </a:txBody>
+                  <a:tcPr marL="7620" marR="7620" marT="7620" marB="0" anchor="b"/>
+                </a:tc>
+                <a:tc>
+                  <a:txBody>
+                    <a:bodyPr/>
+                    <a:lstStyle/>
+                    <a:p>
+                      <a:pPr algn="ctr" fontAlgn="b">
+                        <a:buNone/>
+                      </a:pPr>
+                      <a:r>
+                        <a:rPr lang="en-US" sz="1800" b="0" i="0" u="none" strike="noStrike">
+                          <a:solidFill>
+                            <a:srgbClr val="000000"/>
+                          </a:solidFill>
+                          <a:effectLst/>
+                          <a:latin typeface="+mj-lt"/>
+                        </a:rPr>
+                        <a:t>1.15</a:t>
+                      </a:r>
+                    </a:p>
+                  </a:txBody>
+                  <a:tcPr marL="7620" marR="7620" marT="7620" marB="0" anchor="b"/>
+                </a:tc>
+                <a:extLst>
+                  <a:ext uri="{0D108BD9-81ED-4DB2-BD59-A6C34878D82A}">
+                    <a16:rowId xmlns:a16="http://schemas.microsoft.com/office/drawing/2014/main" val="2518448481"/>
+                  </a:ext>
+                </a:extLst>
+              </a:tr>
+              <a:tr h="370840">
+                <a:tc>
+                  <a:txBody>
+                    <a:bodyPr/>
+                    <a:lstStyle/>
+                    <a:p>
+                      <a:pPr algn="ctr" fontAlgn="b">
+                        <a:buNone/>
+                      </a:pPr>
+                      <a:r>
+                        <a:rPr lang="en-US" sz="1800" b="0" i="0" u="none" strike="noStrike">
+                          <a:solidFill>
+                            <a:srgbClr val="000000"/>
+                          </a:solidFill>
+                          <a:effectLst/>
+                          <a:latin typeface="+mj-lt"/>
+                        </a:rPr>
+                        <a:t>{NAICS2=44}</a:t>
+                      </a:r>
+                    </a:p>
+                  </a:txBody>
+                  <a:tcPr marL="7620" marR="7620" marT="7620" marB="0" anchor="b"/>
+                </a:tc>
+                <a:tc>
+                  <a:txBody>
+                    <a:bodyPr/>
+                    <a:lstStyle/>
+                    <a:p>
+                      <a:pPr algn="ctr" fontAlgn="b">
+                        <a:buNone/>
+                      </a:pPr>
+                      <a:r>
+                        <a:rPr lang="en-US" sz="1800" b="0" i="0" u="none" strike="noStrike">
+                          <a:solidFill>
+                            <a:srgbClr val="000000"/>
+                          </a:solidFill>
+                          <a:effectLst/>
+                          <a:latin typeface="+mj-lt"/>
+                        </a:rPr>
+                        <a:t>=&gt;</a:t>
+                      </a:r>
+                    </a:p>
+                  </a:txBody>
+                  <a:tcPr marL="7620" marR="7620" marT="7620" marB="0" anchor="b"/>
+                </a:tc>
+                <a:tc>
+                  <a:txBody>
+                    <a:bodyPr/>
+                    <a:lstStyle/>
+                    <a:p>
+                      <a:pPr algn="ctr" fontAlgn="b">
+                        <a:buNone/>
+                      </a:pPr>
+                      <a:r>
+                        <a:rPr lang="en-US" sz="1800" b="0" i="0" u="none" strike="noStrike">
+                          <a:solidFill>
+                            <a:srgbClr val="000000"/>
+                          </a:solidFill>
+                          <a:effectLst/>
+                          <a:latin typeface="+mj-lt"/>
+                        </a:rPr>
+                        <a:t>{WorkFromHome=False}</a:t>
+                      </a:r>
+                    </a:p>
+                  </a:txBody>
+                  <a:tcPr marL="7620" marR="7620" marT="7620" marB="0" anchor="b"/>
+                </a:tc>
+                <a:tc>
+                  <a:txBody>
+                    <a:bodyPr/>
+                    <a:lstStyle/>
+                    <a:p>
+                      <a:pPr algn="ctr" fontAlgn="b">
+                        <a:buNone/>
+                      </a:pPr>
+                      <a:r>
+                        <a:rPr lang="en-US" sz="1800" b="0" i="0" u="none" strike="noStrike">
+                          <a:solidFill>
+                            <a:srgbClr val="000000"/>
+                          </a:solidFill>
+                          <a:effectLst/>
+                          <a:latin typeface="+mj-lt"/>
+                        </a:rPr>
+                        <a:t>0.08</a:t>
+                      </a:r>
+                    </a:p>
+                  </a:txBody>
+                  <a:tcPr marL="7620" marR="7620" marT="7620" marB="0" anchor="b"/>
+                </a:tc>
+                <a:tc>
+                  <a:txBody>
+                    <a:bodyPr/>
+                    <a:lstStyle/>
+                    <a:p>
+                      <a:pPr algn="ctr" fontAlgn="b">
+                        <a:buNone/>
+                      </a:pPr>
+                      <a:r>
+                        <a:rPr lang="en-US" sz="1800" b="0" i="0" u="none" strike="noStrike">
+                          <a:solidFill>
+                            <a:srgbClr val="000000"/>
+                          </a:solidFill>
+                          <a:effectLst/>
+                          <a:latin typeface="+mj-lt"/>
+                        </a:rPr>
+                        <a:t>0.99</a:t>
+                      </a:r>
+                    </a:p>
+                  </a:txBody>
+                  <a:tcPr marL="7620" marR="7620" marT="7620" marB="0" anchor="b"/>
+                </a:tc>
+                <a:tc>
+                  <a:txBody>
+                    <a:bodyPr/>
+                    <a:lstStyle/>
+                    <a:p>
+                      <a:pPr algn="ctr" fontAlgn="b">
+                        <a:buNone/>
+                      </a:pPr>
+                      <a:r>
+                        <a:rPr lang="en-US" sz="1800" b="0" i="0" u="none" strike="noStrike">
+                          <a:solidFill>
+                            <a:srgbClr val="000000"/>
+                          </a:solidFill>
+                          <a:effectLst/>
+                          <a:latin typeface="+mj-lt"/>
+                        </a:rPr>
+                        <a:t>1.15</a:t>
+                      </a:r>
+                    </a:p>
+                  </a:txBody>
+                  <a:tcPr marL="7620" marR="7620" marT="7620" marB="0" anchor="b"/>
+                </a:tc>
+                <a:extLst>
+                  <a:ext uri="{0D108BD9-81ED-4DB2-BD59-A6C34878D82A}">
+                    <a16:rowId xmlns:a16="http://schemas.microsoft.com/office/drawing/2014/main" val="909003874"/>
+                  </a:ext>
+                </a:extLst>
+              </a:tr>
+              <a:tr h="370840">
+                <a:tc>
+                  <a:txBody>
+                    <a:bodyPr/>
+                    <a:lstStyle/>
+                    <a:p>
+                      <a:pPr algn="ctr" fontAlgn="b">
+                        <a:buNone/>
+                      </a:pPr>
+                      <a:r>
+                        <a:rPr lang="en-US" sz="1800" b="0" i="0" u="none" strike="noStrike">
+                          <a:solidFill>
+                            <a:srgbClr val="000000"/>
+                          </a:solidFill>
+                          <a:effectLst/>
+                          <a:latin typeface="+mj-lt"/>
+                        </a:rPr>
+                        <a:t>{NAICS2=45}</a:t>
+                      </a:r>
+                    </a:p>
+                  </a:txBody>
+                  <a:tcPr marL="7620" marR="7620" marT="7620" marB="0" anchor="b"/>
+                </a:tc>
+                <a:tc>
+                  <a:txBody>
+                    <a:bodyPr/>
+                    <a:lstStyle/>
+                    <a:p>
+                      <a:pPr algn="ctr" fontAlgn="b">
+                        <a:buNone/>
+                      </a:pPr>
+                      <a:r>
+                        <a:rPr lang="en-US" sz="1800" b="0" i="0" u="none" strike="noStrike">
+                          <a:solidFill>
+                            <a:srgbClr val="000000"/>
+                          </a:solidFill>
+                          <a:effectLst/>
+                          <a:latin typeface="+mj-lt"/>
+                        </a:rPr>
+                        <a:t>=&gt;</a:t>
+                      </a:r>
+                    </a:p>
+                  </a:txBody>
+                  <a:tcPr marL="7620" marR="7620" marT="7620" marB="0" anchor="b"/>
+                </a:tc>
+                <a:tc>
+                  <a:txBody>
+                    <a:bodyPr/>
+                    <a:lstStyle/>
+                    <a:p>
+                      <a:pPr algn="ctr" fontAlgn="b">
+                        <a:buNone/>
+                      </a:pPr>
+                      <a:r>
+                        <a:rPr lang="en-US" sz="1800" b="0" i="0" u="none" strike="noStrike">
+                          <a:solidFill>
+                            <a:srgbClr val="000000"/>
+                          </a:solidFill>
+                          <a:effectLst/>
+                          <a:latin typeface="+mj-lt"/>
+                        </a:rPr>
+                        <a:t>{WorkFromHome=False}</a:t>
+                      </a:r>
+                    </a:p>
+                  </a:txBody>
+                  <a:tcPr marL="7620" marR="7620" marT="7620" marB="0" anchor="b"/>
+                </a:tc>
+                <a:tc>
+                  <a:txBody>
+                    <a:bodyPr/>
+                    <a:lstStyle/>
+                    <a:p>
+                      <a:pPr algn="ctr" fontAlgn="b">
+                        <a:buNone/>
+                      </a:pPr>
+                      <a:r>
+                        <a:rPr lang="en-US" sz="1800" b="0" i="0" u="none" strike="noStrike">
+                          <a:solidFill>
+                            <a:srgbClr val="000000"/>
+                          </a:solidFill>
+                          <a:effectLst/>
+                          <a:latin typeface="+mj-lt"/>
+                        </a:rPr>
+                        <a:t>0.09</a:t>
+                      </a:r>
+                    </a:p>
+                  </a:txBody>
+                  <a:tcPr marL="7620" marR="7620" marT="7620" marB="0" anchor="b"/>
+                </a:tc>
+                <a:tc>
+                  <a:txBody>
+                    <a:bodyPr/>
+                    <a:lstStyle/>
+                    <a:p>
+                      <a:pPr algn="ctr" fontAlgn="b">
+                        <a:buNone/>
+                      </a:pPr>
+                      <a:r>
+                        <a:rPr lang="en-US" sz="1800" b="0" i="0" u="none" strike="noStrike">
+                          <a:solidFill>
+                            <a:srgbClr val="000000"/>
+                          </a:solidFill>
+                          <a:effectLst/>
+                          <a:latin typeface="+mj-lt"/>
+                        </a:rPr>
+                        <a:t>0.98</a:t>
+                      </a:r>
+                    </a:p>
+                  </a:txBody>
+                  <a:tcPr marL="7620" marR="7620" marT="7620" marB="0" anchor="b"/>
+                </a:tc>
+                <a:tc>
+                  <a:txBody>
+                    <a:bodyPr/>
+                    <a:lstStyle/>
+                    <a:p>
+                      <a:pPr algn="ctr" fontAlgn="b">
+                        <a:buNone/>
+                      </a:pPr>
+                      <a:r>
+                        <a:rPr lang="en-US" sz="1800" b="0" i="0" u="none" strike="noStrike">
+                          <a:solidFill>
+                            <a:srgbClr val="000000"/>
+                          </a:solidFill>
+                          <a:effectLst/>
+                          <a:latin typeface="+mj-lt"/>
+                        </a:rPr>
+                        <a:t>1.14</a:t>
+                      </a:r>
+                    </a:p>
+                  </a:txBody>
+                  <a:tcPr marL="7620" marR="7620" marT="7620" marB="0" anchor="b"/>
+                </a:tc>
+                <a:extLst>
+                  <a:ext uri="{0D108BD9-81ED-4DB2-BD59-A6C34878D82A}">
+                    <a16:rowId xmlns:a16="http://schemas.microsoft.com/office/drawing/2014/main" val="2967334599"/>
+                  </a:ext>
+                </a:extLst>
+              </a:tr>
+              <a:tr h="370840">
+                <a:tc>
+                  <a:txBody>
+                    <a:bodyPr/>
+                    <a:lstStyle/>
+                    <a:p>
+                      <a:pPr algn="ctr" fontAlgn="b">
+                        <a:buNone/>
+                      </a:pPr>
+                      <a:r>
+                        <a:rPr lang="en-US" sz="1800" b="0" i="0" u="none" strike="noStrike">
+                          <a:solidFill>
+                            <a:srgbClr val="000000"/>
+                          </a:solidFill>
+                          <a:effectLst/>
+                          <a:latin typeface="+mj-lt"/>
+                        </a:rPr>
+                        <a:t>{NAICS2=56}</a:t>
+                      </a:r>
+                    </a:p>
+                  </a:txBody>
+                  <a:tcPr marL="7620" marR="7620" marT="7620" marB="0" anchor="b"/>
+                </a:tc>
+                <a:tc>
+                  <a:txBody>
+                    <a:bodyPr/>
+                    <a:lstStyle/>
+                    <a:p>
+                      <a:pPr algn="ctr" fontAlgn="b">
+                        <a:buNone/>
+                      </a:pPr>
+                      <a:r>
+                        <a:rPr lang="en-US" sz="1800" b="0" i="0" u="none" strike="noStrike">
+                          <a:solidFill>
+                            <a:srgbClr val="000000"/>
+                          </a:solidFill>
+                          <a:effectLst/>
+                          <a:latin typeface="+mj-lt"/>
+                        </a:rPr>
+                        <a:t>=&gt;</a:t>
+                      </a:r>
+                    </a:p>
+                  </a:txBody>
+                  <a:tcPr marL="7620" marR="7620" marT="7620" marB="0" anchor="b"/>
+                </a:tc>
+                <a:tc>
+                  <a:txBody>
+                    <a:bodyPr/>
+                    <a:lstStyle/>
+                    <a:p>
+                      <a:pPr algn="ctr" fontAlgn="b">
+                        <a:buNone/>
+                      </a:pPr>
+                      <a:r>
+                        <a:rPr lang="en-US" sz="1800" b="0" i="0" u="none" strike="noStrike">
+                          <a:solidFill>
+                            <a:srgbClr val="000000"/>
+                          </a:solidFill>
+                          <a:effectLst/>
+                          <a:latin typeface="+mj-lt"/>
+                        </a:rPr>
+                        <a:t>{WorkFromHome=False}</a:t>
+                      </a:r>
+                    </a:p>
+                  </a:txBody>
+                  <a:tcPr marL="7620" marR="7620" marT="7620" marB="0" anchor="b"/>
+                </a:tc>
+                <a:tc>
+                  <a:txBody>
+                    <a:bodyPr/>
+                    <a:lstStyle/>
+                    <a:p>
+                      <a:pPr algn="ctr" fontAlgn="b">
+                        <a:buNone/>
+                      </a:pPr>
+                      <a:r>
+                        <a:rPr lang="en-US" sz="1800" b="0" i="0" u="none" strike="noStrike">
+                          <a:solidFill>
+                            <a:srgbClr val="000000"/>
+                          </a:solidFill>
+                          <a:effectLst/>
+                          <a:latin typeface="+mj-lt"/>
+                        </a:rPr>
+                        <a:t>0.02</a:t>
+                      </a:r>
+                    </a:p>
+                  </a:txBody>
+                  <a:tcPr marL="7620" marR="7620" marT="7620" marB="0" anchor="b"/>
+                </a:tc>
+                <a:tc>
+                  <a:txBody>
+                    <a:bodyPr/>
+                    <a:lstStyle/>
+                    <a:p>
+                      <a:pPr algn="ctr" fontAlgn="b">
+                        <a:buNone/>
+                      </a:pPr>
+                      <a:r>
+                        <a:rPr lang="en-US" sz="1800" b="0" i="0" u="none" strike="noStrike">
+                          <a:solidFill>
+                            <a:srgbClr val="000000"/>
+                          </a:solidFill>
+                          <a:effectLst/>
+                          <a:latin typeface="+mj-lt"/>
+                        </a:rPr>
+                        <a:t>0.97</a:t>
+                      </a:r>
+                    </a:p>
+                  </a:txBody>
+                  <a:tcPr marL="7620" marR="7620" marT="7620" marB="0" anchor="b"/>
+                </a:tc>
+                <a:tc>
+                  <a:txBody>
+                    <a:bodyPr/>
+                    <a:lstStyle/>
+                    <a:p>
+                      <a:pPr algn="ctr" fontAlgn="b">
+                        <a:buNone/>
+                      </a:pPr>
+                      <a:r>
+                        <a:rPr lang="en-US" sz="1800" b="0" i="0" u="none" strike="noStrike">
+                          <a:solidFill>
+                            <a:srgbClr val="000000"/>
+                          </a:solidFill>
+                          <a:effectLst/>
+                          <a:latin typeface="+mj-lt"/>
+                        </a:rPr>
+                        <a:t>1.12</a:t>
+                      </a:r>
+                    </a:p>
+                  </a:txBody>
+                  <a:tcPr marL="7620" marR="7620" marT="7620" marB="0" anchor="b"/>
+                </a:tc>
+                <a:extLst>
+                  <a:ext uri="{0D108BD9-81ED-4DB2-BD59-A6C34878D82A}">
+                    <a16:rowId xmlns:a16="http://schemas.microsoft.com/office/drawing/2014/main" val="2221340725"/>
+                  </a:ext>
+                </a:extLst>
+              </a:tr>
+              <a:tr h="370840">
+                <a:tc>
+                  <a:txBody>
+                    <a:bodyPr/>
+                    <a:lstStyle/>
+                    <a:p>
+                      <a:pPr algn="ctr" fontAlgn="b">
+                        <a:buNone/>
+                      </a:pPr>
+                      <a:r>
+                        <a:rPr lang="en-US" sz="1800" b="0" i="0" u="none" strike="noStrike">
+                          <a:solidFill>
+                            <a:srgbClr val="000000"/>
+                          </a:solidFill>
+                          <a:effectLst/>
+                          <a:latin typeface="+mj-lt"/>
+                        </a:rPr>
+                        <a:t>{NAICS2=72}</a:t>
+                      </a:r>
+                    </a:p>
+                  </a:txBody>
+                  <a:tcPr marL="7620" marR="7620" marT="7620" marB="0" anchor="b"/>
+                </a:tc>
+                <a:tc>
+                  <a:txBody>
+                    <a:bodyPr/>
+                    <a:lstStyle/>
+                    <a:p>
+                      <a:pPr algn="ctr" fontAlgn="b">
+                        <a:buNone/>
+                      </a:pPr>
+                      <a:r>
+                        <a:rPr lang="en-US" sz="1800" b="0" i="0" u="none" strike="noStrike">
+                          <a:solidFill>
+                            <a:srgbClr val="000000"/>
+                          </a:solidFill>
+                          <a:effectLst/>
+                          <a:latin typeface="+mj-lt"/>
+                        </a:rPr>
+                        <a:t>=&gt;</a:t>
+                      </a:r>
+                    </a:p>
+                  </a:txBody>
+                  <a:tcPr marL="7620" marR="7620" marT="7620" marB="0" anchor="b"/>
+                </a:tc>
+                <a:tc>
+                  <a:txBody>
+                    <a:bodyPr/>
+                    <a:lstStyle/>
+                    <a:p>
+                      <a:pPr algn="ctr" fontAlgn="b">
+                        <a:buNone/>
+                      </a:pPr>
+                      <a:r>
+                        <a:rPr lang="en-US" sz="1800" b="0" i="0" u="none" strike="noStrike">
+                          <a:solidFill>
+                            <a:srgbClr val="000000"/>
+                          </a:solidFill>
+                          <a:effectLst/>
+                          <a:latin typeface="+mj-lt"/>
+                        </a:rPr>
+                        <a:t>{WorkFromHome=False}</a:t>
+                      </a:r>
+                    </a:p>
+                  </a:txBody>
+                  <a:tcPr marL="7620" marR="7620" marT="7620" marB="0" anchor="b"/>
+                </a:tc>
+                <a:tc>
+                  <a:txBody>
+                    <a:bodyPr/>
+                    <a:lstStyle/>
+                    <a:p>
+                      <a:pPr algn="ctr" fontAlgn="b">
+                        <a:buNone/>
+                      </a:pPr>
+                      <a:r>
+                        <a:rPr lang="en-US" sz="1800" b="0" i="0" u="none" strike="noStrike">
+                          <a:solidFill>
+                            <a:srgbClr val="000000"/>
+                          </a:solidFill>
+                          <a:effectLst/>
+                          <a:latin typeface="+mj-lt"/>
+                        </a:rPr>
+                        <a:t>0.02</a:t>
+                      </a:r>
+                    </a:p>
+                  </a:txBody>
+                  <a:tcPr marL="7620" marR="7620" marT="7620" marB="0" anchor="b"/>
+                </a:tc>
+                <a:tc>
+                  <a:txBody>
+                    <a:bodyPr/>
+                    <a:lstStyle/>
+                    <a:p>
+                      <a:pPr algn="ctr" fontAlgn="b">
+                        <a:buNone/>
+                      </a:pPr>
+                      <a:r>
+                        <a:rPr lang="en-US" sz="1800" b="0" i="0" u="none" strike="noStrike">
+                          <a:solidFill>
+                            <a:srgbClr val="000000"/>
+                          </a:solidFill>
+                          <a:effectLst/>
+                          <a:latin typeface="+mj-lt"/>
+                        </a:rPr>
+                        <a:t>0.96</a:t>
+                      </a:r>
+                    </a:p>
+                  </a:txBody>
+                  <a:tcPr marL="7620" marR="7620" marT="7620" marB="0" anchor="b"/>
+                </a:tc>
+                <a:tc>
+                  <a:txBody>
+                    <a:bodyPr/>
+                    <a:lstStyle/>
+                    <a:p>
+                      <a:pPr algn="ctr" fontAlgn="b">
+                        <a:buNone/>
+                      </a:pPr>
+                      <a:r>
+                        <a:rPr lang="en-US" sz="1800" b="0" i="0" u="none" strike="noStrike">
+                          <a:solidFill>
+                            <a:srgbClr val="000000"/>
+                          </a:solidFill>
+                          <a:effectLst/>
+                          <a:latin typeface="+mj-lt"/>
+                        </a:rPr>
+                        <a:t>1.11</a:t>
+                      </a:r>
+                    </a:p>
+                  </a:txBody>
+                  <a:tcPr marL="7620" marR="7620" marT="7620" marB="0" anchor="b"/>
+                </a:tc>
+                <a:extLst>
+                  <a:ext uri="{0D108BD9-81ED-4DB2-BD59-A6C34878D82A}">
+                    <a16:rowId xmlns:a16="http://schemas.microsoft.com/office/drawing/2014/main" val="1330710741"/>
+                  </a:ext>
+                </a:extLst>
+              </a:tr>
+              <a:tr h="370840">
+                <a:tc>
+                  <a:txBody>
+                    <a:bodyPr/>
+                    <a:lstStyle/>
+                    <a:p>
+                      <a:pPr algn="ctr" fontAlgn="b">
+                        <a:buNone/>
+                      </a:pPr>
+                      <a:r>
+                        <a:rPr lang="en-US" sz="1800" b="0" i="0" u="none" strike="noStrike">
+                          <a:solidFill>
+                            <a:srgbClr val="000000"/>
+                          </a:solidFill>
+                          <a:effectLst/>
+                          <a:latin typeface="+mj-lt"/>
+                        </a:rPr>
+                        <a:t>{NAICS2=21}</a:t>
+                      </a:r>
+                    </a:p>
+                  </a:txBody>
+                  <a:tcPr marL="7620" marR="7620" marT="7620" marB="0" anchor="b"/>
+                </a:tc>
+                <a:tc>
+                  <a:txBody>
+                    <a:bodyPr/>
+                    <a:lstStyle/>
+                    <a:p>
+                      <a:pPr algn="ctr" fontAlgn="b">
+                        <a:buNone/>
+                      </a:pPr>
+                      <a:r>
+                        <a:rPr lang="en-US" sz="1800" b="0" i="0" u="none" strike="noStrike">
+                          <a:solidFill>
+                            <a:srgbClr val="000000"/>
+                          </a:solidFill>
+                          <a:effectLst/>
+                          <a:latin typeface="+mj-lt"/>
+                        </a:rPr>
+                        <a:t>=&gt;</a:t>
+                      </a:r>
+                    </a:p>
+                  </a:txBody>
+                  <a:tcPr marL="7620" marR="7620" marT="7620" marB="0" anchor="b"/>
+                </a:tc>
+                <a:tc>
+                  <a:txBody>
+                    <a:bodyPr/>
+                    <a:lstStyle/>
+                    <a:p>
+                      <a:pPr algn="ctr" fontAlgn="b">
+                        <a:buNone/>
+                      </a:pPr>
+                      <a:r>
+                        <a:rPr lang="en-US" sz="1800" b="0" i="0" u="none" strike="noStrike">
+                          <a:solidFill>
+                            <a:srgbClr val="000000"/>
+                          </a:solidFill>
+                          <a:effectLst/>
+                          <a:latin typeface="+mj-lt"/>
+                        </a:rPr>
+                        <a:t>{WorkFromHome=False}</a:t>
+                      </a:r>
+                    </a:p>
+                  </a:txBody>
+                  <a:tcPr marL="7620" marR="7620" marT="7620" marB="0" anchor="b"/>
+                </a:tc>
+                <a:tc>
+                  <a:txBody>
+                    <a:bodyPr/>
+                    <a:lstStyle/>
+                    <a:p>
+                      <a:pPr algn="ctr" fontAlgn="b">
+                        <a:buNone/>
+                      </a:pPr>
+                      <a:r>
+                        <a:rPr lang="en-US" sz="1800" b="0" i="0" u="none" strike="noStrike">
+                          <a:solidFill>
+                            <a:srgbClr val="000000"/>
+                          </a:solidFill>
+                          <a:effectLst/>
+                          <a:latin typeface="+mj-lt"/>
+                        </a:rPr>
+                        <a:t>0.02</a:t>
+                      </a:r>
+                    </a:p>
+                  </a:txBody>
+                  <a:tcPr marL="7620" marR="7620" marT="7620" marB="0" anchor="b"/>
+                </a:tc>
+                <a:tc>
+                  <a:txBody>
+                    <a:bodyPr/>
+                    <a:lstStyle/>
+                    <a:p>
+                      <a:pPr algn="ctr" fontAlgn="b">
+                        <a:buNone/>
+                      </a:pPr>
+                      <a:r>
+                        <a:rPr lang="en-US" sz="1800" b="0" i="0" u="none" strike="noStrike">
+                          <a:solidFill>
+                            <a:srgbClr val="000000"/>
+                          </a:solidFill>
+                          <a:effectLst/>
+                          <a:latin typeface="+mj-lt"/>
+                        </a:rPr>
+                        <a:t>0.95</a:t>
+                      </a:r>
+                    </a:p>
+                  </a:txBody>
+                  <a:tcPr marL="7620" marR="7620" marT="7620" marB="0" anchor="b"/>
+                </a:tc>
+                <a:tc>
+                  <a:txBody>
+                    <a:bodyPr/>
+                    <a:lstStyle/>
+                    <a:p>
+                      <a:pPr algn="ctr" fontAlgn="b">
+                        <a:buNone/>
+                      </a:pPr>
+                      <a:r>
+                        <a:rPr lang="en-US" sz="1800" b="0" i="0" u="none" strike="noStrike" dirty="0">
+                          <a:solidFill>
+                            <a:srgbClr val="000000"/>
+                          </a:solidFill>
+                          <a:effectLst/>
+                          <a:latin typeface="+mj-lt"/>
+                        </a:rPr>
+                        <a:t>1.10</a:t>
+                      </a:r>
+                    </a:p>
+                  </a:txBody>
+                  <a:tcPr marL="7620" marR="7620" marT="7620" marB="0" anchor="b"/>
+                </a:tc>
+                <a:extLst>
+                  <a:ext uri="{0D108BD9-81ED-4DB2-BD59-A6C34878D82A}">
+                    <a16:rowId xmlns:a16="http://schemas.microsoft.com/office/drawing/2014/main" val="4034213107"/>
+                  </a:ext>
+                </a:extLst>
+              </a:tr>
+            </a:tbl>
+          </a:graphicData>
+        </a:graphic>
+      </p:graphicFrame>
     </p:spTree>
     <p:extLst>
       <p:ext uri="{BB962C8B-B14F-4D97-AF65-F5344CB8AC3E}">
@@ -15545,6 +16710,71 @@
             <a:r>
               <a:rPr lang="en-US" dirty="0"/>
               <a:t>Questions?</a:t>
+            </a:r>
+          </a:p>
+        </p:txBody>
+      </p:sp>
+      <p:pic>
+        <p:nvPicPr>
+          <p:cNvPr id="7" name="Picture 6" descr="A qr code on a square&#10;&#10;AI-generated content may be incorrect.">
+            <a:extLst>
+              <a:ext uri="{FF2B5EF4-FFF2-40B4-BE49-F238E27FC236}">
+                <a16:creationId xmlns:a16="http://schemas.microsoft.com/office/drawing/2014/main" id="{B42CFCBD-71DD-B65B-F574-E724A23F53F8}"/>
+              </a:ext>
+            </a:extLst>
+          </p:cNvPr>
+          <p:cNvPicPr>
+            <a:picLocks noChangeAspect="1"/>
+          </p:cNvPicPr>
+          <p:nvPr/>
+        </p:nvPicPr>
+        <p:blipFill>
+          <a:blip r:embed="rId2"/>
+          <a:stretch>
+            <a:fillRect/>
+          </a:stretch>
+        </p:blipFill>
+        <p:spPr>
+          <a:xfrm>
+            <a:off x="252116" y="1364973"/>
+            <a:ext cx="3048264" cy="2987299"/>
+          </a:xfrm>
+          <a:prstGeom prst="rect">
+            <a:avLst/>
+          </a:prstGeom>
+        </p:spPr>
+      </p:pic>
+      <p:sp>
+        <p:nvSpPr>
+          <p:cNvPr id="8" name="TextBox 7">
+            <a:extLst>
+              <a:ext uri="{FF2B5EF4-FFF2-40B4-BE49-F238E27FC236}">
+                <a16:creationId xmlns:a16="http://schemas.microsoft.com/office/drawing/2014/main" id="{8569A51C-D917-4115-B065-854DDE4FEFAC}"/>
+              </a:ext>
+            </a:extLst>
+          </p:cNvPr>
+          <p:cNvSpPr txBox="1"/>
+          <p:nvPr/>
+        </p:nvSpPr>
+        <p:spPr>
+          <a:xfrm>
+            <a:off x="702075" y="4433896"/>
+            <a:ext cx="2148345" cy="369332"/>
+          </a:xfrm>
+          <a:prstGeom prst="rect">
+            <a:avLst/>
+          </a:prstGeom>
+          <a:noFill/>
+        </p:spPr>
+        <p:txBody>
+          <a:bodyPr wrap="none" rtlCol="0">
+            <a:spAutoFit/>
+          </a:bodyPr>
+          <a:lstStyle/>
+          <a:p>
+            <a:r>
+              <a:rPr lang="en-US" dirty="0"/>
+              <a:t>Scan for GitHub Link</a:t>
             </a:r>
           </a:p>
         </p:txBody>

--- a/Xiao Li INFO 523 Final Project.pptx
+++ b/Xiao Li INFO 523 Final Project.pptx
@@ -16528,7 +16528,7 @@
             <a:pPr lvl="1"/>
             <a:r>
               <a:rPr lang="en-US" sz="2300" dirty="0"/>
-              <a:t>Decision tree classification works better by maximizing the entropy</a:t>
+              <a:t>Decision tree classification works better by minimizing the entropy</a:t>
             </a:r>
             <a:r>
               <a:rPr lang="en-US" sz="2800" dirty="0"/>
